--- a/Power point.pptx
+++ b/Power point.pptx
@@ -104,6 +104,11 @@
       </a:defRPr>
     </a:lvl9pPr>
   </p:defaultTextStyle>
+  <p:extLst>
+    <p:ext uri="{EFAFB233-063F-42B5-8137-9DF3F51BA10A}">
+      <p15:sldGuideLst xmlns:p15="http://schemas.microsoft.com/office/powerpoint/2012/main"/>
+    </p:ext>
+  </p:extLst>
 </p:presentation>
 </file>
 
@@ -2976,18 +2981,36 @@
         </p:nvSpPr>
         <p:spPr/>
         <p:txBody>
-          <a:bodyPr/>
+          <a:bodyPr>
+            <a:normAutofit/>
+          </a:bodyPr>
           <a:lstStyle/>
           <a:p>
             <a:r>
               <a:rPr lang="en-US" dirty="0" smtClean="0"/>
-              <a:t>This is done in </a:t>
-            </a:r>
-            <a:r>
-              <a:rPr lang="en-US" smtClean="0"/>
+              <a:t>This is </a:t>
+            </a:r>
+            <a:r>
+              <a:rPr lang="en-US" dirty="0"/>
+              <a:t>done in </a:t>
+            </a:r>
+            <a:r>
+              <a:rPr lang="en-US" dirty="0" err="1" smtClean="0"/>
               <a:t>newbranch</a:t>
             </a:r>
-            <a:endParaRPr lang="en-IN"/>
+            <a:r>
+              <a:rPr lang="en-US" smtClean="0"/>
+              <a:t> This is </a:t>
+            </a:r>
+            <a:r>
+              <a:rPr lang="en-US" dirty="0"/>
+              <a:t>done in </a:t>
+            </a:r>
+            <a:r>
+              <a:rPr lang="en-US" dirty="0" err="1"/>
+              <a:t>newbranch</a:t>
+            </a:r>
+            <a:endParaRPr lang="en-IN" dirty="0"/>
           </a:p>
         </p:txBody>
       </p:sp>

--- a/Power point.pptx
+++ b/Power point.pptx
@@ -104,6 +104,11 @@
       </a:defRPr>
     </a:lvl9pPr>
   </p:defaultTextStyle>
+  <p:extLst>
+    <p:ext uri="{EFAFB233-063F-42B5-8137-9DF3F51BA10A}">
+      <p15:sldGuideLst xmlns:p15="http://schemas.microsoft.com/office/powerpoint/2012/main"/>
+    </p:ext>
+  </p:extLst>
 </p:presentation>
 </file>
 
@@ -2974,20 +2979,36 @@
             <p:ph type="ctrTitle"/>
           </p:nvPr>
         </p:nvSpPr>
-        <p:spPr/>
+        <p:spPr>
+          <a:xfrm>
+            <a:off x="1524000" y="1050174"/>
+            <a:ext cx="9144000" cy="2387600"/>
+          </a:xfrm>
+        </p:spPr>
         <p:txBody>
           <a:bodyPr/>
           <a:lstStyle/>
           <a:p>
             <a:r>
               <a:rPr lang="en-US" dirty="0" smtClean="0"/>
-              <a:t>This is done </a:t>
-            </a:r>
-            <a:r>
-              <a:rPr lang="en-US" smtClean="0"/>
-              <a:t>in branch master</a:t>
-            </a:r>
-            <a:endParaRPr lang="en-IN"/>
+              <a:t>This is done in </a:t>
+            </a:r>
+            <a:r>
+              <a:rPr lang="en-US" smtClean="0"/>
+              <a:t>branch </a:t>
+            </a:r>
+            <a:r>
+              <a:rPr lang="en-US"/>
+              <a:t>master</a:t>
+            </a:r>
+            <a:br>
+              <a:rPr lang="en-US"/>
+            </a:br>
+            <a:r>
+              <a:rPr lang="en-US"/>
+              <a:t>This is done in branch master</a:t>
+            </a:r>
+            <a:endParaRPr lang="en-IN" dirty="0"/>
           </a:p>
         </p:txBody>
       </p:sp>
